--- a/Documentación/Sustentacion 8 trimestre.pptx
+++ b/Documentación/Sustentacion 8 trimestre.pptx
@@ -25,21 +25,21 @@
   <p:notesSz cx="6858000" cy="9144000"/>
   <p:embeddedFontLst>
     <p:embeddedFont>
-      <p:font typeface="Montserrat" charset="0"/>
+      <p:font typeface="Calibri" panose="020F0502020204030204" pitchFamily="34" charset="0"/>
       <p:regular r:id="rId15"/>
       <p:bold r:id="rId16"/>
       <p:italic r:id="rId17"/>
       <p:boldItalic r:id="rId18"/>
     </p:embeddedFont>
     <p:embeddedFont>
-      <p:font typeface="Calibri" pitchFamily="34" charset="0"/>
+      <p:font typeface="Exo 2" panose="020B0604020202020204" charset="0"/>
       <p:regular r:id="rId19"/>
       <p:bold r:id="rId20"/>
       <p:italic r:id="rId21"/>
       <p:boldItalic r:id="rId22"/>
     </p:embeddedFont>
     <p:embeddedFont>
-      <p:font typeface="Exo 2" charset="0"/>
+      <p:font typeface="Montserrat" panose="00000500000000000000" pitchFamily="2" charset="0"/>
       <p:regular r:id="rId23"/>
       <p:bold r:id="rId24"/>
       <p:italic r:id="rId25"/>
@@ -277,7 +277,7 @@
   </p:defaultTextStyle>
   <p:extLst>
     <p:ext uri="{EFAFB233-063F-42B5-8137-9DF3F51BA10A}">
-      <p15:sldGuideLst xmlns:ahyp="http://schemas.microsoft.com/office/drawing/2018/hyperlinkcolor" xmlns:p15="http://schemas.microsoft.com/office/powerpoint/2012/main" xmlns:p14="http://schemas.microsoft.com/office/powerpoint/2010/main" xmlns:com="http://schemas.openxmlformats.org/drawingml/2006/compatibility" xmlns:pvml="urn:schemas-microsoft-com:office:powerpoint" xmlns:v="urn:schemas-microsoft-com:vml" xmlns:o="urn:schemas-microsoft-com:office:office" xmlns:dgm="http://schemas.openxmlformats.org/drawingml/2006/diagram" xmlns:c="http://schemas.openxmlformats.org/drawingml/2006/chart" xmlns:mv="urn:schemas-microsoft-com:mac:vml" xmlns:mc="http://schemas.openxmlformats.org/markup-compatibility/2006" xmlns="">
+      <p15:sldGuideLst xmlns:p15="http://schemas.microsoft.com/office/powerpoint/2012/main">
         <p15:guide id="1" orient="horz" pos="1620">
           <p15:clr>
             <a:srgbClr val="A4A3A4"/>
@@ -291,7 +291,7 @@
       </p15:sldGuideLst>
     </p:ext>
     <p:ext uri="{2D200454-40CA-4A62-9FC3-DE9A4176ACB9}">
-      <p15:notesGuideLst xmlns:ahyp="http://schemas.microsoft.com/office/drawing/2018/hyperlinkcolor" xmlns:p15="http://schemas.microsoft.com/office/powerpoint/2012/main" xmlns:p14="http://schemas.microsoft.com/office/powerpoint/2010/main" xmlns:com="http://schemas.openxmlformats.org/drawingml/2006/compatibility" xmlns:pvml="urn:schemas-microsoft-com:office:powerpoint" xmlns:v="urn:schemas-microsoft-com:vml" xmlns:o="urn:schemas-microsoft-com:office:office" xmlns:dgm="http://schemas.openxmlformats.org/drawingml/2006/diagram" xmlns:c="http://schemas.openxmlformats.org/drawingml/2006/chart" xmlns:mv="urn:schemas-microsoft-com:mac:vml" xmlns:mc="http://schemas.openxmlformats.org/markup-compatibility/2006" xmlns="">
+      <p15:notesGuideLst xmlns:p15="http://schemas.microsoft.com/office/powerpoint/2012/main">
         <p15:guide id="1" orient="horz" pos="2880">
           <p15:clr>
             <a:srgbClr val="A4A3A4"/>
@@ -4991,7 +4991,7 @@
           <a:p>
             <a:pPr algn="ctr"/>
             <a:r>
-              <a:rPr lang="es-ES" sz="2400" b="1" dirty="0" smtClean="0">
+              <a:rPr lang="es-ES" sz="2400" b="1" dirty="0">
                 <a:solidFill>
                   <a:srgbClr val="F3F3F3"/>
                 </a:solidFill>
@@ -5140,7 +5140,7 @@
               <a:buNone/>
             </a:pPr>
             <a:r>
-              <a:rPr lang="es-ES" sz="2400" b="1" dirty="0" smtClean="0">
+              <a:rPr lang="es-ES" sz="2400" b="1" dirty="0">
                 <a:solidFill>
                   <a:srgbClr val="EFEFEF"/>
                 </a:solidFill>
@@ -6033,7 +6033,7 @@
           <a:p>
             <a:pPr algn="ctr"/>
             <a:r>
-              <a:rPr lang="es-ES" sz="2400" b="1" dirty="0" smtClean="0">
+              <a:rPr lang="es-ES" sz="2400" b="1" dirty="0">
                 <a:solidFill>
                   <a:srgbClr val="EFEFEF"/>
                 </a:solidFill>
@@ -6214,7 +6214,7 @@
           <a:p>
             <a:pPr algn="ctr"/>
             <a:r>
-              <a:rPr lang="es-ES" sz="2400" b="1" dirty="0" smtClean="0">
+              <a:rPr lang="es-ES" sz="2400" b="1" dirty="0">
                 <a:solidFill>
                   <a:srgbClr val="EFEFEF"/>
                 </a:solidFill>
@@ -6222,6 +6222,7 @@
                 <a:ea typeface="Exo 2"/>
                 <a:cs typeface="Exo 2"/>
                 <a:sym typeface="Exo 2"/>
+                <a:hlinkClick r:id="rId3"/>
               </a:rPr>
               <a:t>Diagrama de Gantt</a:t>
             </a:r>
@@ -6261,6 +6262,36 @@
           </a:p>
         </p:txBody>
       </p:sp>
+      <p:pic>
+        <p:nvPicPr>
+          <p:cNvPr id="3" name="Imagen 2">
+            <a:extLst>
+              <a:ext uri="{FF2B5EF4-FFF2-40B4-BE49-F238E27FC236}">
+                <a16:creationId xmlns:a16="http://schemas.microsoft.com/office/drawing/2014/main" id="{0165F782-8FA8-4893-9C6D-AD1C7228A704}"/>
+              </a:ext>
+            </a:extLst>
+          </p:cNvPr>
+          <p:cNvPicPr>
+            <a:picLocks noChangeAspect="1"/>
+          </p:cNvPicPr>
+          <p:nvPr/>
+        </p:nvPicPr>
+        <p:blipFill>
+          <a:blip r:embed="rId4"/>
+          <a:stretch>
+            <a:fillRect/>
+          </a:stretch>
+        </p:blipFill>
+        <p:spPr>
+          <a:xfrm>
+            <a:off x="358713" y="1072812"/>
+            <a:ext cx="8387723" cy="3740397"/>
+          </a:xfrm>
+          <a:prstGeom prst="rect">
+            <a:avLst/>
+          </a:prstGeom>
+        </p:spPr>
+      </p:pic>
     </p:spTree>
     <p:extLst>
       <p:ext uri="{BB962C8B-B14F-4D97-AF65-F5344CB8AC3E}">
@@ -6984,7 +7015,7 @@
               <a:buNone/>
             </a:pPr>
             <a:r>
-              <a:rPr lang="es-ES" sz="2400" b="1" dirty="0" smtClean="0">
+              <a:rPr lang="es-ES" sz="2400" b="1" dirty="0">
                 <a:solidFill>
                   <a:srgbClr val="F3F3F3"/>
                 </a:solidFill>
